--- a/Images/Figures_To_Review/PieCharts_Metabolic/ALL/PieWithOutRAPTOR.pptx
+++ b/Images/Figures_To_Review/PieCharts_Metabolic/ALL/PieWithOutRAPTOR.pptx
@@ -5,7 +5,7 @@
     <p:sldMasterId id="2147483648" r:id="rId1"/>
   </p:sldMasterIdLst>
   <p:sldIdLst>
-    <p:sldId id="256" r:id="rId8"/>
+    <p:sldId id="256" r:id="rId2"/>
   </p:sldIdLst>
   <p:sldSz cx="9144000" cy="6858000" type="screen4x3"/>
   <p:notesSz cx="6858000" cy="9144000"/>
@@ -107,6 +107,22 @@
       </a:defRPr>
     </a:lvl9pPr>
   </p:defaultTextStyle>
+  <p:extLst>
+    <p:ext uri="{EFAFB233-063F-42B5-8137-9DF3F51BA10A}">
+      <p15:sldGuideLst xmlns:p15="http://schemas.microsoft.com/office/powerpoint/2012/main">
+        <p15:guide id="1" orient="horz" pos="2160">
+          <p15:clr>
+            <a:srgbClr val="A4A3A4"/>
+          </p15:clr>
+        </p15:guide>
+        <p15:guide id="2" pos="2880">
+          <p15:clr>
+            <a:srgbClr val="A4A3A4"/>
+          </p15:clr>
+        </p15:guide>
+      </p15:sldGuideLst>
+    </p:ext>
+  </p:extLst>
 </p:presentation>
 </file>
 
@@ -148,7 +164,7 @@
           <a:lstStyle/>
           <a:p>
             <a:r>
-              <a:rPr lang="en-US" smtClean="0"/>
+              <a:rPr lang="en-US"/>
               <a:t>Click to edit Master title style</a:t>
             </a:r>
             <a:endParaRPr lang="en-GB"/>
@@ -267,7 +283,7 @@
           </a:lstStyle>
           <a:p>
             <a:r>
-              <a:rPr lang="en-US" smtClean="0"/>
+              <a:rPr lang="en-US"/>
               <a:t>Click to edit Master subtitle style</a:t>
             </a:r>
             <a:endParaRPr lang="en-GB"/>
@@ -291,7 +307,7 @@
           <a:p>
             <a:fld id="{E6744CE3-0875-4B69-89C0-6F72D8139561}" type="datetimeFigureOut">
               <a:rPr lang="en-GB" smtClean="0"/>
-              <a:t>26/05/17</a:t>
+              <a:t>14/05/2025</a:t>
             </a:fld>
             <a:endParaRPr lang="en-GB"/>
           </a:p>
@@ -385,7 +401,7 @@
           <a:lstStyle/>
           <a:p>
             <a:r>
-              <a:rPr lang="en-US" smtClean="0"/>
+              <a:rPr lang="en-US"/>
               <a:t>Click to edit Master title style</a:t>
             </a:r>
             <a:endParaRPr lang="en-GB"/>
@@ -409,35 +425,35 @@
           <a:p>
             <a:pPr lvl="0"/>
             <a:r>
-              <a:rPr lang="en-US" smtClean="0"/>
+              <a:rPr lang="en-US"/>
               <a:t>Click to edit Master text styles</a:t>
             </a:r>
           </a:p>
           <a:p>
             <a:pPr lvl="1"/>
             <a:r>
-              <a:rPr lang="en-US" smtClean="0"/>
+              <a:rPr lang="en-US"/>
               <a:t>Second level</a:t>
             </a:r>
           </a:p>
           <a:p>
             <a:pPr lvl="2"/>
             <a:r>
-              <a:rPr lang="en-US" smtClean="0"/>
+              <a:rPr lang="en-US"/>
               <a:t>Third level</a:t>
             </a:r>
           </a:p>
           <a:p>
             <a:pPr lvl="3"/>
             <a:r>
-              <a:rPr lang="en-US" smtClean="0"/>
+              <a:rPr lang="en-US"/>
               <a:t>Fourth level</a:t>
             </a:r>
           </a:p>
           <a:p>
             <a:pPr lvl="4"/>
             <a:r>
-              <a:rPr lang="en-US" smtClean="0"/>
+              <a:rPr lang="en-US"/>
               <a:t>Fifth level</a:t>
             </a:r>
             <a:endParaRPr lang="en-GB"/>
@@ -461,7 +477,7 @@
           <a:p>
             <a:fld id="{E6744CE3-0875-4B69-89C0-6F72D8139561}" type="datetimeFigureOut">
               <a:rPr lang="en-GB" smtClean="0"/>
-              <a:t>26/05/17</a:t>
+              <a:t>14/05/2025</a:t>
             </a:fld>
             <a:endParaRPr lang="en-GB"/>
           </a:p>
@@ -564,7 +580,7 @@
           </a:lstStyle>
           <a:p>
             <a:r>
-              <a:rPr lang="en-US" smtClean="0"/>
+              <a:rPr lang="en-US"/>
               <a:t>Click to edit Master title style</a:t>
             </a:r>
             <a:endParaRPr lang="en-GB"/>
@@ -684,7 +700,7 @@
           <a:p>
             <a:pPr lvl="0"/>
             <a:r>
-              <a:rPr lang="en-US" smtClean="0"/>
+              <a:rPr lang="en-US"/>
               <a:t>Click to edit Master text styles</a:t>
             </a:r>
           </a:p>
@@ -707,7 +723,7 @@
           <a:p>
             <a:fld id="{E6744CE3-0875-4B69-89C0-6F72D8139561}" type="datetimeFigureOut">
               <a:rPr lang="en-GB" smtClean="0"/>
-              <a:t>26/05/17</a:t>
+              <a:t>14/05/2025</a:t>
             </a:fld>
             <a:endParaRPr lang="en-GB"/>
           </a:p>
@@ -801,7 +817,7 @@
           <a:lstStyle/>
           <a:p>
             <a:r>
-              <a:rPr lang="en-US" smtClean="0"/>
+              <a:rPr lang="en-US"/>
               <a:t>Click to edit Master title style</a:t>
             </a:r>
             <a:endParaRPr lang="en-GB"/>
@@ -858,35 +874,35 @@
           <a:p>
             <a:pPr lvl="0"/>
             <a:r>
-              <a:rPr lang="en-US" smtClean="0"/>
+              <a:rPr lang="en-US"/>
               <a:t>Click to edit Master text styles</a:t>
             </a:r>
           </a:p>
           <a:p>
             <a:pPr lvl="1"/>
             <a:r>
-              <a:rPr lang="en-US" smtClean="0"/>
+              <a:rPr lang="en-US"/>
               <a:t>Second level</a:t>
             </a:r>
           </a:p>
           <a:p>
             <a:pPr lvl="2"/>
             <a:r>
-              <a:rPr lang="en-US" smtClean="0"/>
+              <a:rPr lang="en-US"/>
               <a:t>Third level</a:t>
             </a:r>
           </a:p>
           <a:p>
             <a:pPr lvl="3"/>
             <a:r>
-              <a:rPr lang="en-US" smtClean="0"/>
+              <a:rPr lang="en-US"/>
               <a:t>Fourth level</a:t>
             </a:r>
           </a:p>
           <a:p>
             <a:pPr lvl="4"/>
             <a:r>
-              <a:rPr lang="en-US" smtClean="0"/>
+              <a:rPr lang="en-US"/>
               <a:t>Fifth level</a:t>
             </a:r>
             <a:endParaRPr lang="en-GB"/>
@@ -943,35 +959,35 @@
           <a:p>
             <a:pPr lvl="0"/>
             <a:r>
-              <a:rPr lang="en-US" smtClean="0"/>
+              <a:rPr lang="en-US"/>
               <a:t>Click to edit Master text styles</a:t>
             </a:r>
           </a:p>
           <a:p>
             <a:pPr lvl="1"/>
             <a:r>
-              <a:rPr lang="en-US" smtClean="0"/>
+              <a:rPr lang="en-US"/>
               <a:t>Second level</a:t>
             </a:r>
           </a:p>
           <a:p>
             <a:pPr lvl="2"/>
             <a:r>
-              <a:rPr lang="en-US" smtClean="0"/>
+              <a:rPr lang="en-US"/>
               <a:t>Third level</a:t>
             </a:r>
           </a:p>
           <a:p>
             <a:pPr lvl="3"/>
             <a:r>
-              <a:rPr lang="en-US" smtClean="0"/>
+              <a:rPr lang="en-US"/>
               <a:t>Fourth level</a:t>
             </a:r>
           </a:p>
           <a:p>
             <a:pPr lvl="4"/>
             <a:r>
-              <a:rPr lang="en-US" smtClean="0"/>
+              <a:rPr lang="en-US"/>
               <a:t>Fifth level</a:t>
             </a:r>
             <a:endParaRPr lang="en-GB"/>
@@ -995,7 +1011,7 @@
           <a:p>
             <a:fld id="{E6744CE3-0875-4B69-89C0-6F72D8139561}" type="datetimeFigureOut">
               <a:rPr lang="en-GB" smtClean="0"/>
-              <a:t>26/05/17</a:t>
+              <a:t>14/05/2025</a:t>
             </a:fld>
             <a:endParaRPr lang="en-GB"/>
           </a:p>
@@ -1093,7 +1109,7 @@
           </a:lstStyle>
           <a:p>
             <a:r>
-              <a:rPr lang="en-US" smtClean="0"/>
+              <a:rPr lang="en-US"/>
               <a:t>Click to edit Master title style</a:t>
             </a:r>
             <a:endParaRPr lang="en-GB"/>
@@ -1159,7 +1175,7 @@
           <a:p>
             <a:pPr lvl="0"/>
             <a:r>
-              <a:rPr lang="en-US" smtClean="0"/>
+              <a:rPr lang="en-US"/>
               <a:t>Click to edit Master text styles</a:t>
             </a:r>
           </a:p>
@@ -1215,35 +1231,35 @@
           <a:p>
             <a:pPr lvl="0"/>
             <a:r>
-              <a:rPr lang="en-US" smtClean="0"/>
+              <a:rPr lang="en-US"/>
               <a:t>Click to edit Master text styles</a:t>
             </a:r>
           </a:p>
           <a:p>
             <a:pPr lvl="1"/>
             <a:r>
-              <a:rPr lang="en-US" smtClean="0"/>
+              <a:rPr lang="en-US"/>
               <a:t>Second level</a:t>
             </a:r>
           </a:p>
           <a:p>
             <a:pPr lvl="2"/>
             <a:r>
-              <a:rPr lang="en-US" smtClean="0"/>
+              <a:rPr lang="en-US"/>
               <a:t>Third level</a:t>
             </a:r>
           </a:p>
           <a:p>
             <a:pPr lvl="3"/>
             <a:r>
-              <a:rPr lang="en-US" smtClean="0"/>
+              <a:rPr lang="en-US"/>
               <a:t>Fourth level</a:t>
             </a:r>
           </a:p>
           <a:p>
             <a:pPr lvl="4"/>
             <a:r>
-              <a:rPr lang="en-US" smtClean="0"/>
+              <a:rPr lang="en-US"/>
               <a:t>Fifth level</a:t>
             </a:r>
             <a:endParaRPr lang="en-GB"/>
@@ -1309,7 +1325,7 @@
           <a:p>
             <a:pPr lvl="0"/>
             <a:r>
-              <a:rPr lang="en-US" smtClean="0"/>
+              <a:rPr lang="en-US"/>
               <a:t>Click to edit Master text styles</a:t>
             </a:r>
           </a:p>
@@ -1365,35 +1381,35 @@
           <a:p>
             <a:pPr lvl="0"/>
             <a:r>
-              <a:rPr lang="en-US" smtClean="0"/>
+              <a:rPr lang="en-US"/>
               <a:t>Click to edit Master text styles</a:t>
             </a:r>
           </a:p>
           <a:p>
             <a:pPr lvl="1"/>
             <a:r>
-              <a:rPr lang="en-US" smtClean="0"/>
+              <a:rPr lang="en-US"/>
               <a:t>Second level</a:t>
             </a:r>
           </a:p>
           <a:p>
             <a:pPr lvl="2"/>
             <a:r>
-              <a:rPr lang="en-US" smtClean="0"/>
+              <a:rPr lang="en-US"/>
               <a:t>Third level</a:t>
             </a:r>
           </a:p>
           <a:p>
             <a:pPr lvl="3"/>
             <a:r>
-              <a:rPr lang="en-US" smtClean="0"/>
+              <a:rPr lang="en-US"/>
               <a:t>Fourth level</a:t>
             </a:r>
           </a:p>
           <a:p>
             <a:pPr lvl="4"/>
             <a:r>
-              <a:rPr lang="en-US" smtClean="0"/>
+              <a:rPr lang="en-US"/>
               <a:t>Fifth level</a:t>
             </a:r>
             <a:endParaRPr lang="en-GB"/>
@@ -1417,7 +1433,7 @@
           <a:p>
             <a:fld id="{E6744CE3-0875-4B69-89C0-6F72D8139561}" type="datetimeFigureOut">
               <a:rPr lang="en-GB" smtClean="0"/>
-              <a:t>26/05/17</a:t>
+              <a:t>14/05/2025</a:t>
             </a:fld>
             <a:endParaRPr lang="en-GB"/>
           </a:p>
@@ -1511,7 +1527,7 @@
           <a:lstStyle/>
           <a:p>
             <a:r>
-              <a:rPr lang="en-US" smtClean="0"/>
+              <a:rPr lang="en-US"/>
               <a:t>Click to edit Master title style</a:t>
             </a:r>
             <a:endParaRPr lang="en-GB"/>
@@ -1535,7 +1551,7 @@
           <a:p>
             <a:fld id="{E6744CE3-0875-4B69-89C0-6F72D8139561}" type="datetimeFigureOut">
               <a:rPr lang="en-GB" smtClean="0"/>
-              <a:t>26/05/17</a:t>
+              <a:t>14/05/2025</a:t>
             </a:fld>
             <a:endParaRPr lang="en-GB"/>
           </a:p>
@@ -1630,7 +1646,7 @@
           <a:p>
             <a:fld id="{E6744CE3-0875-4B69-89C0-6F72D8139561}" type="datetimeFigureOut">
               <a:rPr lang="en-GB" smtClean="0"/>
-              <a:t>26/05/17</a:t>
+              <a:t>14/05/2025</a:t>
             </a:fld>
             <a:endParaRPr lang="en-GB"/>
           </a:p>
@@ -1739,7 +1755,7 @@
           <a:lstStyle/>
           <a:p>
             <a:r>
-              <a:rPr lang="en-US" smtClean="0"/>
+              <a:rPr lang="en-US"/>
               <a:t>Click to edit Master title style</a:t>
             </a:r>
             <a:endParaRPr lang="en-GB"/>
@@ -1773,35 +1789,35 @@
           <a:p>
             <a:pPr lvl="0"/>
             <a:r>
-              <a:rPr lang="en-US" smtClean="0"/>
+              <a:rPr lang="en-US"/>
               <a:t>Click to edit Master text styles</a:t>
             </a:r>
           </a:p>
           <a:p>
             <a:pPr lvl="1"/>
             <a:r>
-              <a:rPr lang="en-US" smtClean="0"/>
+              <a:rPr lang="en-US"/>
               <a:t>Second level</a:t>
             </a:r>
           </a:p>
           <a:p>
             <a:pPr lvl="2"/>
             <a:r>
-              <a:rPr lang="en-US" smtClean="0"/>
+              <a:rPr lang="en-US"/>
               <a:t>Third level</a:t>
             </a:r>
           </a:p>
           <a:p>
             <a:pPr lvl="3"/>
             <a:r>
-              <a:rPr lang="en-US" smtClean="0"/>
+              <a:rPr lang="en-US"/>
               <a:t>Fourth level</a:t>
             </a:r>
           </a:p>
           <a:p>
             <a:pPr lvl="4"/>
             <a:r>
-              <a:rPr lang="en-US" smtClean="0"/>
+              <a:rPr lang="en-US"/>
               <a:t>Fifth level</a:t>
             </a:r>
             <a:endParaRPr lang="en-GB"/>
@@ -1843,7 +1859,7 @@
           <a:p>
             <a:fld id="{E6744CE3-0875-4B69-89C0-6F72D8139561}" type="datetimeFigureOut">
               <a:rPr lang="en-GB" smtClean="0"/>
-              <a:t>26/05/17</a:t>
+              <a:t>14/05/2025</a:t>
             </a:fld>
             <a:endParaRPr lang="en-GB"/>
           </a:p>
@@ -2214,45 +2230,18 @@
           <a:chExt cx="0" cy="0"/>
         </a:xfrm>
       </p:grpSpPr>
-      <p:sp>
-        <p:nvSpPr>
-          <p:cNvPr id="2" name="Title 1"/>
-          <p:cNvSpPr>
-            <a:spLocks noGrp="1"/>
-          </p:cNvSpPr>
-          <p:nvPr>
-            <p:ph type="title"/>
-          </p:nvPr>
-        </p:nvSpPr>
-        <p:spPr>
-          <a:xfrm>
-            <a:off x="457200" y="274638"/>
-            <a:ext cx="8229600" cy="1143000"/>
-          </a:xfrm>
-        </p:spPr>
-        <p:txBody>
-          <a:bodyPr/>
-          <a:lstStyle/>
-          <a:p>
-            <a:r>
-              <a:rPr/>
-              <a:t/>
-            </a:r>
-          </a:p>
-        </p:txBody>
-      </p:sp>
-      <p:grpSp xmlns:pic="http://schemas.openxmlformats.org/drawingml/2006/picture">
+      <p:grpSp>
         <p:nvGrpSpPr>
-          <p:cNvPr id="3" name=""/>
+          <p:cNvPr id="3" name="Group 2"/>
           <p:cNvGrpSpPr/>
           <p:nvPr/>
         </p:nvGrpSpPr>
         <p:grpSpPr>
           <a:xfrm>
-            <a:off x="914400" y="914400"/>
-            <a:ext cx="9144000" cy="6400800"/>
-            <a:chOff x="914400" y="914400"/>
-            <a:chExt cx="9144000" cy="6400800"/>
+            <a:off x="-853167" y="116632"/>
+            <a:ext cx="9997167" cy="6400800"/>
+            <a:chOff x="61233" y="914400"/>
+            <a:chExt cx="9997167" cy="6400800"/>
           </a:xfrm>
         </p:grpSpPr>
         <p:sp>
@@ -2287,7 +2276,9 @@
           <p:txBody>
             <a:bodyPr/>
             <a:lstStyle/>
-            <a:p/>
+            <a:p>
+              <a:endParaRPr/>
+            </a:p>
           </p:txBody>
         </p:sp>
         <p:sp>
@@ -2303,6 +2294,10 @@
             </a:xfrm>
             <a:custGeom>
               <a:avLst/>
+              <a:gdLst/>
+              <a:ahLst/>
+              <a:cxnLst/>
+              <a:rect l="0" t="0" r="0" b="0"/>
               <a:pathLst>
                 <a:path w="4947082" h="4946963">
                   <a:moveTo>
@@ -2966,7 +2961,9 @@
           <p:txBody>
             <a:bodyPr/>
             <a:lstStyle/>
-            <a:p/>
+            <a:p>
+              <a:endParaRPr/>
+            </a:p>
           </p:txBody>
         </p:sp>
         <p:sp>
@@ -2982,6 +2979,10 @@
             </a:xfrm>
             <a:custGeom>
               <a:avLst/>
+              <a:gdLst/>
+              <a:ahLst/>
+              <a:cxnLst/>
+              <a:rect l="0" t="0" r="0" b="0"/>
               <a:pathLst>
                 <a:path w="2111459" h="1389878">
                   <a:moveTo>
@@ -3183,7 +3184,9 @@
           <p:txBody>
             <a:bodyPr/>
             <a:lstStyle/>
-            <a:p/>
+            <a:p>
+              <a:endParaRPr/>
+            </a:p>
           </p:txBody>
         </p:sp>
         <p:sp>
@@ -3199,6 +3202,10 @@
             </a:xfrm>
             <a:custGeom>
               <a:avLst/>
+              <a:gdLst/>
+              <a:ahLst/>
+              <a:cxnLst/>
+              <a:rect l="0" t="0" r="0" b="0"/>
               <a:pathLst>
                 <a:path w="2046216" h="2239729">
                   <a:moveTo>
@@ -3442,7 +3449,9 @@
           <p:txBody>
             <a:bodyPr/>
             <a:lstStyle/>
-            <a:p/>
+            <a:p>
+              <a:endParaRPr/>
+            </a:p>
           </p:txBody>
         </p:sp>
         <p:sp>
@@ -3458,6 +3467,10 @@
             </a:xfrm>
             <a:custGeom>
               <a:avLst/>
+              <a:gdLst/>
+              <a:ahLst/>
+              <a:cxnLst/>
+              <a:rect l="0" t="0" r="0" b="0"/>
               <a:pathLst>
                 <a:path w="1049942" h="2473613">
                   <a:moveTo>
@@ -3692,47 +3705,9 @@
           <p:txBody>
             <a:bodyPr/>
             <a:lstStyle/>
-            <a:p/>
-          </p:txBody>
-        </p:sp>
-        <p:sp>
-          <p:nvSpPr>
-            <p:cNvPr id="9" name="pl8"/>
-            <p:cNvSpPr/>
-            <p:nvPr/>
-          </p:nvSpPr>
-          <p:spPr>
-            <a:xfrm>
-              <a:off x="5225795" y="2766361"/>
-              <a:ext cx="174565" cy="238255"/>
-            </a:xfrm>
-            <a:custGeom>
-              <a:avLst/>
-              <a:pathLst>
-                <a:path w="174565" h="238255">
-                  <a:moveTo>
-                    <a:pt x="174565" y="0"/>
-                  </a:moveTo>
-                  <a:lnTo>
-                    <a:pt x="0" y="238255"/>
-                  </a:lnTo>
-                </a:path>
-              </a:pathLst>
-            </a:custGeom>
-            <a:ln w="13550" cap="rnd">
-              <a:solidFill>
-                <a:srgbClr val="000000">
-                  <a:alpha val="100000"/>
-                </a:srgbClr>
-              </a:solidFill>
-              <a:prstDash val="solid"/>
-              <a:round/>
-            </a:ln>
-          </p:spPr>
-          <p:txBody>
-            <a:bodyPr/>
-            <a:lstStyle/>
-            <a:p/>
+            <a:p>
+              <a:endParaRPr/>
+            </a:p>
           </p:txBody>
         </p:sp>
         <p:sp>
@@ -3752,10 +3727,10 @@
             <a:noFill/>
           </p:spPr>
           <p:txBody>
-            <a:bodyPr lIns="0" rIns="0" tIns="0" bIns="0" anchorCtr="1" anchor="ctr" wrap="none"/>
+            <a:bodyPr wrap="none" lIns="0" tIns="0" rIns="0" bIns="0" anchor="ctr" anchorCtr="1"/>
             <a:lstStyle/>
             <a:p>
-              <a:pPr algn="l" marL="0" marR="0" indent="0">
+              <a:pPr marL="0" marR="0" indent="0" algn="l">
                 <a:lnSpc>
                   <a:spcPts val="1707"/>
                 </a:lnSpc>
@@ -3798,10 +3773,10 @@
             <a:noFill/>
           </p:spPr>
           <p:txBody>
-            <a:bodyPr lIns="0" rIns="0" tIns="0" bIns="0" anchorCtr="1" anchor="ctr" wrap="none"/>
+            <a:bodyPr wrap="none" lIns="0" tIns="0" rIns="0" bIns="0" anchor="ctr" anchorCtr="1"/>
             <a:lstStyle/>
             <a:p>
-              <a:pPr algn="l" marL="0" marR="0" indent="0">
+              <a:pPr marL="0" marR="0" indent="0" algn="l">
                 <a:lnSpc>
                   <a:spcPts val="1707"/>
                 </a:lnSpc>
@@ -3835,7 +3810,7 @@
           </p:nvSpPr>
           <p:spPr>
             <a:xfrm>
-              <a:off x="3134980" y="3610569"/>
+              <a:off x="977090" y="2598945"/>
               <a:ext cx="2036510" cy="157737"/>
             </a:xfrm>
             <a:prstGeom prst="rect">
@@ -3844,10 +3819,10 @@
             <a:noFill/>
           </p:spPr>
           <p:txBody>
-            <a:bodyPr lIns="0" rIns="0" tIns="0" bIns="0" anchorCtr="1" anchor="ctr" wrap="none"/>
+            <a:bodyPr wrap="none" lIns="0" tIns="0" rIns="0" bIns="0" anchor="ctr" anchorCtr="1"/>
             <a:lstStyle/>
             <a:p>
-              <a:pPr algn="l" marL="0" marR="0" indent="0">
+              <a:pPr marL="0" marR="0" indent="0" algn="l">
                 <a:lnSpc>
                   <a:spcPts val="1707"/>
                 </a:lnSpc>
@@ -3859,7 +3834,7 @@
                 </a:spcAft>
               </a:pPr>
               <a:r>
-                <a:rPr sz="1707">
+                <a:rPr sz="1707" dirty="0">
                   <a:solidFill>
                     <a:srgbClr val="000000">
                       <a:alpha val="100000"/>
@@ -3881,7 +3856,7 @@
           </p:nvSpPr>
           <p:spPr>
             <a:xfrm>
-              <a:off x="3725332" y="3916953"/>
+              <a:off x="1567442" y="2822814"/>
               <a:ext cx="855806" cy="163560"/>
             </a:xfrm>
             <a:prstGeom prst="rect">
@@ -3890,10 +3865,10 @@
             <a:noFill/>
           </p:spPr>
           <p:txBody>
-            <a:bodyPr lIns="0" rIns="0" tIns="0" bIns="0" anchorCtr="1" anchor="ctr" wrap="none"/>
+            <a:bodyPr wrap="none" lIns="0" tIns="0" rIns="0" bIns="0" anchor="ctr" anchorCtr="1"/>
             <a:lstStyle/>
             <a:p>
-              <a:pPr algn="l" marL="0" marR="0" indent="0">
+              <a:pPr marL="0" marR="0" indent="0" algn="l">
                 <a:lnSpc>
                   <a:spcPts val="1707"/>
                 </a:lnSpc>
@@ -3905,7 +3880,7 @@
                 </a:spcAft>
               </a:pPr>
               <a:r>
-                <a:rPr sz="1707">
+                <a:rPr sz="1707" dirty="0">
                   <a:solidFill>
                     <a:srgbClr val="000000">
                       <a:alpha val="100000"/>
@@ -3927,7 +3902,7 @@
           </p:nvSpPr>
           <p:spPr>
             <a:xfrm>
-              <a:off x="4294692" y="2791741"/>
+              <a:off x="2733162" y="1884311"/>
               <a:ext cx="1205158" cy="198283"/>
             </a:xfrm>
             <a:prstGeom prst="rect">
@@ -3936,10 +3911,10 @@
             <a:noFill/>
           </p:spPr>
           <p:txBody>
-            <a:bodyPr lIns="0" rIns="0" tIns="0" bIns="0" anchorCtr="1" anchor="ctr" wrap="none"/>
+            <a:bodyPr wrap="none" lIns="0" tIns="0" rIns="0" bIns="0" anchor="ctr" anchorCtr="1"/>
             <a:lstStyle/>
             <a:p>
-              <a:pPr algn="l" marL="0" marR="0" indent="0">
+              <a:pPr marL="0" marR="0" indent="0" algn="l">
                 <a:lnSpc>
                   <a:spcPts val="1707"/>
                 </a:lnSpc>
@@ -3951,7 +3926,7 @@
                 </a:spcAft>
               </a:pPr>
               <a:r>
-                <a:rPr sz="1707">
+                <a:rPr sz="1707" dirty="0">
                   <a:solidFill>
                     <a:srgbClr val="000000">
                       <a:alpha val="100000"/>
@@ -3973,7 +3948,7 @@
           </p:nvSpPr>
           <p:spPr>
             <a:xfrm>
-              <a:off x="4469368" y="3138671"/>
+              <a:off x="2907838" y="2132854"/>
               <a:ext cx="855806" cy="163560"/>
             </a:xfrm>
             <a:prstGeom prst="rect">
@@ -3982,10 +3957,10 @@
             <a:noFill/>
           </p:spPr>
           <p:txBody>
-            <a:bodyPr lIns="0" rIns="0" tIns="0" bIns="0" anchorCtr="1" anchor="ctr" wrap="none"/>
+            <a:bodyPr wrap="none" lIns="0" tIns="0" rIns="0" bIns="0" anchor="ctr" anchorCtr="1"/>
             <a:lstStyle/>
             <a:p>
-              <a:pPr algn="l" marL="0" marR="0" indent="0">
+              <a:pPr marL="0" marR="0" indent="0" algn="l">
                 <a:lnSpc>
                   <a:spcPts val="1707"/>
                 </a:lnSpc>
@@ -3997,7 +3972,7 @@
                 </a:spcAft>
               </a:pPr>
               <a:r>
-                <a:rPr sz="1707">
+                <a:rPr sz="1707" dirty="0">
                   <a:solidFill>
                     <a:srgbClr val="000000">
                       <a:alpha val="100000"/>
@@ -4019,7 +3994,7 @@
           </p:nvSpPr>
           <p:spPr>
             <a:xfrm>
-              <a:off x="4751128" y="2230470"/>
+              <a:off x="4581138" y="1114558"/>
               <a:ext cx="1470136" cy="200824"/>
             </a:xfrm>
             <a:prstGeom prst="rect">
@@ -4028,10 +4003,10 @@
             <a:noFill/>
           </p:spPr>
           <p:txBody>
-            <a:bodyPr lIns="0" rIns="0" tIns="0" bIns="0" anchorCtr="1" anchor="ctr" wrap="none"/>
+            <a:bodyPr wrap="none" lIns="0" tIns="0" rIns="0" bIns="0" anchor="ctr" anchorCtr="1"/>
             <a:lstStyle/>
             <a:p>
-              <a:pPr algn="l" marL="0" marR="0" indent="0">
+              <a:pPr marL="0" marR="0" indent="0" algn="l">
                 <a:lnSpc>
                   <a:spcPts val="1707"/>
                 </a:lnSpc>
@@ -4043,7 +4018,7 @@
                 </a:spcAft>
               </a:pPr>
               <a:r>
-                <a:rPr sz="1707">
+                <a:rPr sz="1707" dirty="0">
                   <a:solidFill>
                     <a:srgbClr val="000000">
                       <a:alpha val="100000"/>
@@ -4065,7 +4040,7 @@
           </p:nvSpPr>
           <p:spPr>
             <a:xfrm>
-              <a:off x="5058293" y="2579941"/>
+              <a:off x="4797892" y="1351585"/>
               <a:ext cx="855806" cy="163560"/>
             </a:xfrm>
             <a:prstGeom prst="rect">
@@ -4074,10 +4049,10 @@
             <a:noFill/>
           </p:spPr>
           <p:txBody>
-            <a:bodyPr lIns="0" rIns="0" tIns="0" bIns="0" anchorCtr="1" anchor="ctr" wrap="none"/>
+            <a:bodyPr wrap="none" lIns="0" tIns="0" rIns="0" bIns="0" anchor="ctr" anchorCtr="1"/>
             <a:lstStyle/>
             <a:p>
-              <a:pPr algn="l" marL="0" marR="0" indent="0">
+              <a:pPr marL="0" marR="0" indent="0" algn="l">
                 <a:lnSpc>
                   <a:spcPts val="1707"/>
                 </a:lnSpc>
@@ -4089,7 +4064,7 @@
                 </a:spcAft>
               </a:pPr>
               <a:r>
-                <a:rPr sz="1707">
+                <a:rPr sz="1707" dirty="0">
                   <a:solidFill>
                     <a:srgbClr val="000000">
                       <a:alpha val="100000"/>
@@ -4111,7 +4086,7 @@
           </p:nvSpPr>
           <p:spPr>
             <a:xfrm>
-              <a:off x="2394382" y="942406"/>
+              <a:off x="61233" y="1039532"/>
               <a:ext cx="4900195" cy="152578"/>
             </a:xfrm>
             <a:prstGeom prst="rect">
@@ -4120,10 +4095,10 @@
             <a:noFill/>
           </p:spPr>
           <p:txBody>
-            <a:bodyPr lIns="0" rIns="0" tIns="0" bIns="0" anchorCtr="1" anchor="ctr" wrap="none"/>
+            <a:bodyPr wrap="none" lIns="0" tIns="0" rIns="0" bIns="0" anchor="ctr" anchorCtr="1"/>
             <a:lstStyle/>
             <a:p>
-              <a:pPr algn="l" marL="0" marR="0" indent="0">
+              <a:pPr marL="0" marR="0" indent="0" algn="l">
                 <a:lnSpc>
                   <a:spcPts val="1320"/>
                 </a:lnSpc>
@@ -4135,7 +4110,7 @@
                 </a:spcAft>
               </a:pPr>
               <a:r>
-                <a:rPr sz="1320">
+                <a:rPr sz="1320" dirty="0">
                   <a:solidFill>
                     <a:srgbClr val="000000">
                       <a:alpha val="100000"/>
@@ -4144,12 +4119,178 @@
                   <a:latin typeface="Times New Roman"/>
                   <a:cs typeface="Times New Roman"/>
                 </a:rPr>
-                <a:t>Metabolic Strategy Breakdown of Organisms That Don't Have RAPTOR</a:t>
+                <a:t>Metabolic Strategy Breakdown of Organisms</a:t>
+              </a:r>
+              <a:endParaRPr lang="en-US" sz="1320" dirty="0">
+                <a:solidFill>
+                  <a:srgbClr val="000000">
+                    <a:alpha val="100000"/>
+                  </a:srgbClr>
+                </a:solidFill>
+                <a:latin typeface="Times New Roman"/>
+                <a:cs typeface="Times New Roman"/>
+              </a:endParaRPr>
+            </a:p>
+            <a:p>
+              <a:pPr marL="0" marR="0" indent="0" algn="l">
+                <a:lnSpc>
+                  <a:spcPts val="1320"/>
+                </a:lnSpc>
+                <a:spcBef>
+                  <a:spcPts val="0"/>
+                </a:spcBef>
+                <a:spcAft>
+                  <a:spcPts val="0"/>
+                </a:spcAft>
+              </a:pPr>
+              <a:r>
+                <a:rPr sz="1320" dirty="0">
+                  <a:solidFill>
+                    <a:srgbClr val="000000">
+                      <a:alpha val="100000"/>
+                    </a:srgbClr>
+                  </a:solidFill>
+                  <a:latin typeface="Times New Roman"/>
+                  <a:cs typeface="Times New Roman"/>
+                </a:rPr>
+                <a:t> That Don't Have RAPTOR</a:t>
               </a:r>
             </a:p>
           </p:txBody>
         </p:sp>
       </p:grpSp>
+      <p:cxnSp>
+        <p:nvCxnSpPr>
+          <p:cNvPr id="20" name="Straight Arrow Connector 19">
+            <a:extLst>
+              <a:ext uri="{FF2B5EF4-FFF2-40B4-BE49-F238E27FC236}">
+                <a16:creationId xmlns:a16="http://schemas.microsoft.com/office/drawing/2014/main" id="{36CDF533-C544-EDF7-8D6B-CD299C2D7193}"/>
+              </a:ext>
+            </a:extLst>
+          </p:cNvPr>
+          <p:cNvCxnSpPr>
+            <a:stCxn id="13" idx="2"/>
+          </p:cNvCxnSpPr>
+          <p:nvPr/>
+        </p:nvCxnSpPr>
+        <p:spPr>
+          <a:xfrm>
+            <a:off x="1080945" y="2188606"/>
+            <a:ext cx="1834871" cy="160274"/>
+          </a:xfrm>
+          <a:prstGeom prst="straightConnector1">
+            <a:avLst/>
+          </a:prstGeom>
+          <a:ln>
+            <a:solidFill>
+              <a:schemeClr val="tx1"/>
+            </a:solidFill>
+            <a:tailEnd type="triangle"/>
+          </a:ln>
+        </p:spPr>
+        <p:style>
+          <a:lnRef idx="1">
+            <a:schemeClr val="accent1"/>
+          </a:lnRef>
+          <a:fillRef idx="0">
+            <a:schemeClr val="accent1"/>
+          </a:fillRef>
+          <a:effectRef idx="0">
+            <a:schemeClr val="accent1"/>
+          </a:effectRef>
+          <a:fontRef idx="minor">
+            <a:schemeClr val="tx1"/>
+          </a:fontRef>
+        </p:style>
+      </p:cxnSp>
+      <p:cxnSp>
+        <p:nvCxnSpPr>
+          <p:cNvPr id="22" name="Straight Arrow Connector 21">
+            <a:extLst>
+              <a:ext uri="{FF2B5EF4-FFF2-40B4-BE49-F238E27FC236}">
+                <a16:creationId xmlns:a16="http://schemas.microsoft.com/office/drawing/2014/main" id="{B9AE29C2-1D39-9CBB-43E8-7063469E6B7A}"/>
+              </a:ext>
+            </a:extLst>
+          </p:cNvPr>
+          <p:cNvCxnSpPr>
+            <a:stCxn id="15" idx="2"/>
+          </p:cNvCxnSpPr>
+          <p:nvPr/>
+        </p:nvCxnSpPr>
+        <p:spPr>
+          <a:xfrm>
+            <a:off x="2421341" y="1498646"/>
+            <a:ext cx="998531" cy="608180"/>
+          </a:xfrm>
+          <a:prstGeom prst="straightConnector1">
+            <a:avLst/>
+          </a:prstGeom>
+          <a:ln>
+            <a:solidFill>
+              <a:schemeClr val="tx1"/>
+            </a:solidFill>
+            <a:tailEnd type="triangle"/>
+          </a:ln>
+        </p:spPr>
+        <p:style>
+          <a:lnRef idx="1">
+            <a:schemeClr val="accent1"/>
+          </a:lnRef>
+          <a:fillRef idx="0">
+            <a:schemeClr val="accent1"/>
+          </a:fillRef>
+          <a:effectRef idx="0">
+            <a:schemeClr val="accent1"/>
+          </a:effectRef>
+          <a:fontRef idx="minor">
+            <a:schemeClr val="tx1"/>
+          </a:fontRef>
+        </p:style>
+      </p:cxnSp>
+      <p:cxnSp>
+        <p:nvCxnSpPr>
+          <p:cNvPr id="24" name="Straight Arrow Connector 23">
+            <a:extLst>
+              <a:ext uri="{FF2B5EF4-FFF2-40B4-BE49-F238E27FC236}">
+                <a16:creationId xmlns:a16="http://schemas.microsoft.com/office/drawing/2014/main" id="{3DBEFD67-8856-AEDB-93CB-5D66585416B8}"/>
+              </a:ext>
+            </a:extLst>
+          </p:cNvPr>
+          <p:cNvCxnSpPr>
+            <a:stCxn id="17" idx="2"/>
+          </p:cNvCxnSpPr>
+          <p:nvPr/>
+        </p:nvCxnSpPr>
+        <p:spPr>
+          <a:xfrm flipH="1">
+            <a:off x="4211960" y="717377"/>
+            <a:ext cx="99435" cy="1162668"/>
+          </a:xfrm>
+          <a:prstGeom prst="straightConnector1">
+            <a:avLst/>
+          </a:prstGeom>
+          <a:ln>
+            <a:solidFill>
+              <a:schemeClr val="tx1"/>
+            </a:solidFill>
+            <a:tailEnd type="triangle"/>
+          </a:ln>
+        </p:spPr>
+        <p:style>
+          <a:lnRef idx="1">
+            <a:schemeClr val="accent1"/>
+          </a:lnRef>
+          <a:fillRef idx="0">
+            <a:schemeClr val="accent1"/>
+          </a:fillRef>
+          <a:effectRef idx="0">
+            <a:schemeClr val="accent1"/>
+          </a:effectRef>
+          <a:fontRef idx="minor">
+            <a:schemeClr val="tx1"/>
+          </a:fontRef>
+        </p:style>
+      </p:cxnSp>
     </p:spTree>
   </p:cSld>
   <p:clrMapOvr>

--- a/Images/Figures_To_Review/PieCharts_Metabolic/ALL/PieWithOutRAPTOR.pptx
+++ b/Images/Figures_To_Review/PieCharts_Metabolic/ALL/PieWithOutRAPTOR.pptx
@@ -307,7 +307,7 @@
           <a:p>
             <a:fld id="{E6744CE3-0875-4B69-89C0-6F72D8139561}" type="datetimeFigureOut">
               <a:rPr lang="en-GB" smtClean="0"/>
-              <a:t>14/05/2025</a:t>
+              <a:t>15/05/2025</a:t>
             </a:fld>
             <a:endParaRPr lang="en-GB"/>
           </a:p>
@@ -477,7 +477,7 @@
           <a:p>
             <a:fld id="{E6744CE3-0875-4B69-89C0-6F72D8139561}" type="datetimeFigureOut">
               <a:rPr lang="en-GB" smtClean="0"/>
-              <a:t>14/05/2025</a:t>
+              <a:t>15/05/2025</a:t>
             </a:fld>
             <a:endParaRPr lang="en-GB"/>
           </a:p>
@@ -723,7 +723,7 @@
           <a:p>
             <a:fld id="{E6744CE3-0875-4B69-89C0-6F72D8139561}" type="datetimeFigureOut">
               <a:rPr lang="en-GB" smtClean="0"/>
-              <a:t>14/05/2025</a:t>
+              <a:t>15/05/2025</a:t>
             </a:fld>
             <a:endParaRPr lang="en-GB"/>
           </a:p>
@@ -1011,7 +1011,7 @@
           <a:p>
             <a:fld id="{E6744CE3-0875-4B69-89C0-6F72D8139561}" type="datetimeFigureOut">
               <a:rPr lang="en-GB" smtClean="0"/>
-              <a:t>14/05/2025</a:t>
+              <a:t>15/05/2025</a:t>
             </a:fld>
             <a:endParaRPr lang="en-GB"/>
           </a:p>
@@ -1433,7 +1433,7 @@
           <a:p>
             <a:fld id="{E6744CE3-0875-4B69-89C0-6F72D8139561}" type="datetimeFigureOut">
               <a:rPr lang="en-GB" smtClean="0"/>
-              <a:t>14/05/2025</a:t>
+              <a:t>15/05/2025</a:t>
             </a:fld>
             <a:endParaRPr lang="en-GB"/>
           </a:p>
@@ -1551,7 +1551,7 @@
           <a:p>
             <a:fld id="{E6744CE3-0875-4B69-89C0-6F72D8139561}" type="datetimeFigureOut">
               <a:rPr lang="en-GB" smtClean="0"/>
-              <a:t>14/05/2025</a:t>
+              <a:t>15/05/2025</a:t>
             </a:fld>
             <a:endParaRPr lang="en-GB"/>
           </a:p>
@@ -1646,7 +1646,7 @@
           <a:p>
             <a:fld id="{E6744CE3-0875-4B69-89C0-6F72D8139561}" type="datetimeFigureOut">
               <a:rPr lang="en-GB" smtClean="0"/>
-              <a:t>14/05/2025</a:t>
+              <a:t>15/05/2025</a:t>
             </a:fld>
             <a:endParaRPr lang="en-GB"/>
           </a:p>
@@ -1859,7 +1859,7 @@
           <a:p>
             <a:fld id="{E6744CE3-0875-4B69-89C0-6F72D8139561}" type="datetimeFigureOut">
               <a:rPr lang="en-GB" smtClean="0"/>
-              <a:t>14/05/2025</a:t>
+              <a:t>15/05/2025</a:t>
             </a:fld>
             <a:endParaRPr lang="en-GB"/>
           </a:p>
@@ -3742,14 +3742,14 @@
                 </a:spcAft>
               </a:pPr>
               <a:r>
-                <a:rPr sz="1707">
+                <a:rPr sz="1200" dirty="0">
                   <a:solidFill>
                     <a:srgbClr val="000000">
                       <a:alpha val="100000"/>
                     </a:srgbClr>
                   </a:solidFill>
-                  <a:latin typeface="Arial"/>
-                  <a:cs typeface="Arial"/>
+                  <a:latin typeface="Times New Roman" panose="02020603050405020304" pitchFamily="18" charset="0"/>
+                  <a:cs typeface="Times New Roman" panose="02020603050405020304" pitchFamily="18" charset="0"/>
                 </a:rPr>
                 <a:t>Plastid Parasite </a:t>
               </a:r>
@@ -3764,7 +3764,7 @@
           </p:nvSpPr>
           <p:spPr>
             <a:xfrm>
-              <a:off x="5896521" y="5078686"/>
+              <a:off x="5676747" y="4930039"/>
               <a:ext cx="976386" cy="163560"/>
             </a:xfrm>
             <a:prstGeom prst="rect">
@@ -3788,14 +3788,14 @@
                 </a:spcAft>
               </a:pPr>
               <a:r>
-                <a:rPr sz="1707">
+                <a:rPr sz="1200" dirty="0">
                   <a:solidFill>
                     <a:srgbClr val="000000">
                       <a:alpha val="100000"/>
                     </a:srgbClr>
                   </a:solidFill>
-                  <a:latin typeface="Arial"/>
-                  <a:cs typeface="Arial"/>
+                  <a:latin typeface="Times New Roman" panose="02020603050405020304" pitchFamily="18" charset="0"/>
+                  <a:cs typeface="Times New Roman" panose="02020603050405020304" pitchFamily="18" charset="0"/>
                 </a:rPr>
                 <a:t> 83.721 %</a:t>
               </a:r>
@@ -3810,7 +3810,7 @@
           </p:nvSpPr>
           <p:spPr>
             <a:xfrm>
-              <a:off x="977090" y="2598945"/>
+              <a:off x="1423766" y="2654482"/>
               <a:ext cx="2036510" cy="157737"/>
             </a:xfrm>
             <a:prstGeom prst="rect">
@@ -3834,14 +3834,14 @@
                 </a:spcAft>
               </a:pPr>
               <a:r>
-                <a:rPr sz="1707" dirty="0">
+                <a:rPr sz="1200" dirty="0">
                   <a:solidFill>
                     <a:srgbClr val="000000">
                       <a:alpha val="100000"/>
                     </a:srgbClr>
                   </a:solidFill>
-                  <a:latin typeface="Arial"/>
-                  <a:cs typeface="Arial"/>
+                  <a:latin typeface="Times New Roman" panose="02020603050405020304" pitchFamily="18" charset="0"/>
+                  <a:cs typeface="Times New Roman" panose="02020603050405020304" pitchFamily="18" charset="0"/>
                 </a:rPr>
                 <a:t>Non-Plastid Parasite </a:t>
               </a:r>
@@ -3856,7 +3856,7 @@
           </p:nvSpPr>
           <p:spPr>
             <a:xfrm>
-              <a:off x="1567442" y="2822814"/>
+              <a:off x="1634588" y="2822814"/>
               <a:ext cx="855806" cy="163560"/>
             </a:xfrm>
             <a:prstGeom prst="rect">
@@ -3880,14 +3880,14 @@
                 </a:spcAft>
               </a:pPr>
               <a:r>
-                <a:rPr sz="1707" dirty="0">
+                <a:rPr sz="1200" dirty="0">
                   <a:solidFill>
                     <a:srgbClr val="000000">
                       <a:alpha val="100000"/>
                     </a:srgbClr>
                   </a:solidFill>
-                  <a:latin typeface="Arial"/>
-                  <a:cs typeface="Arial"/>
+                  <a:latin typeface="Times New Roman" panose="02020603050405020304" pitchFamily="18" charset="0"/>
+                  <a:cs typeface="Times New Roman" panose="02020603050405020304" pitchFamily="18" charset="0"/>
                 </a:rPr>
                 <a:t> 0.775 %</a:t>
               </a:r>
@@ -3902,7 +3902,7 @@
           </p:nvSpPr>
           <p:spPr>
             <a:xfrm>
-              <a:off x="2733162" y="1884311"/>
+              <a:off x="2886348" y="1919097"/>
               <a:ext cx="1205158" cy="198283"/>
             </a:xfrm>
             <a:prstGeom prst="rect">
@@ -3926,7 +3926,19 @@
                 </a:spcAft>
               </a:pPr>
               <a:r>
-                <a:rPr sz="1707" dirty="0">
+                <a:rPr sz="1200" dirty="0">
+                  <a:solidFill>
+                    <a:srgbClr val="000000">
+                      <a:alpha val="100000"/>
+                    </a:srgbClr>
+                  </a:solidFill>
+                  <a:latin typeface="Times New Roman" panose="02020603050405020304" pitchFamily="18" charset="0"/>
+                  <a:cs typeface="Times New Roman" panose="02020603050405020304" pitchFamily="18" charset="0"/>
+                </a:rPr>
+                <a:t>Heterotroph</a:t>
+              </a:r>
+              <a:r>
+                <a:rPr sz="1200" dirty="0">
                   <a:solidFill>
                     <a:srgbClr val="000000">
                       <a:alpha val="100000"/>
@@ -3935,7 +3947,7 @@
                   <a:latin typeface="Arial"/>
                   <a:cs typeface="Arial"/>
                 </a:rPr>
-                <a:t>Heterotroph </a:t>
+                <a:t> </a:t>
               </a:r>
             </a:p>
           </p:txBody>
@@ -3972,14 +3984,14 @@
                 </a:spcAft>
               </a:pPr>
               <a:r>
-                <a:rPr sz="1707" dirty="0">
+                <a:rPr sz="1200" dirty="0">
                   <a:solidFill>
                     <a:srgbClr val="000000">
                       <a:alpha val="100000"/>
                     </a:srgbClr>
                   </a:solidFill>
-                  <a:latin typeface="Arial"/>
-                  <a:cs typeface="Arial"/>
+                  <a:latin typeface="Times New Roman" panose="02020603050405020304" pitchFamily="18" charset="0"/>
+                  <a:cs typeface="Times New Roman" panose="02020603050405020304" pitchFamily="18" charset="0"/>
                 </a:rPr>
                 <a:t> 8.527 %</a:t>
               </a:r>
@@ -3994,7 +4006,7 @@
           </p:nvSpPr>
           <p:spPr>
             <a:xfrm>
-              <a:off x="4581138" y="1114558"/>
+              <a:off x="4751289" y="1156054"/>
               <a:ext cx="1470136" cy="200824"/>
             </a:xfrm>
             <a:prstGeom prst="rect">
@@ -4018,16 +4030,28 @@
                 </a:spcAft>
               </a:pPr>
               <a:r>
+                <a:rPr sz="1200" dirty="0">
+                  <a:solidFill>
+                    <a:srgbClr val="000000">
+                      <a:alpha val="100000"/>
+                    </a:srgbClr>
+                  </a:solidFill>
+                  <a:latin typeface="Times New Roman" panose="02020603050405020304" pitchFamily="18" charset="0"/>
+                  <a:cs typeface="Times New Roman" panose="02020603050405020304" pitchFamily="18" charset="0"/>
+                </a:rPr>
+                <a:t>Endosymbiotic</a:t>
+              </a:r>
+              <a:r>
                 <a:rPr sz="1707" dirty="0">
                   <a:solidFill>
                     <a:srgbClr val="000000">
                       <a:alpha val="100000"/>
                     </a:srgbClr>
                   </a:solidFill>
-                  <a:latin typeface="Arial"/>
-                  <a:cs typeface="Arial"/>
+                  <a:latin typeface="Times New Roman" panose="02020603050405020304" pitchFamily="18" charset="0"/>
+                  <a:cs typeface="Times New Roman" panose="02020603050405020304" pitchFamily="18" charset="0"/>
                 </a:rPr>
-                <a:t>Endosymbiotic </a:t>
+                <a:t> </a:t>
               </a:r>
             </a:p>
           </p:txBody>
@@ -4064,14 +4088,14 @@
                 </a:spcAft>
               </a:pPr>
               <a:r>
-                <a:rPr sz="1707" dirty="0">
+                <a:rPr sz="1200" dirty="0">
                   <a:solidFill>
                     <a:srgbClr val="000000">
                       <a:alpha val="100000"/>
                     </a:srgbClr>
                   </a:solidFill>
-                  <a:latin typeface="Arial"/>
-                  <a:cs typeface="Arial"/>
+                  <a:latin typeface="Times New Roman" panose="02020603050405020304" pitchFamily="18" charset="0"/>
+                  <a:cs typeface="Times New Roman" panose="02020603050405020304" pitchFamily="18" charset="0"/>
                 </a:rPr>
                 <a:t> 6.977 %</a:t>
               </a:r>
@@ -4110,7 +4134,7 @@
                 </a:spcAft>
               </a:pPr>
               <a:r>
-                <a:rPr sz="1320" dirty="0">
+                <a:rPr sz="1200" dirty="0">
                   <a:solidFill>
                     <a:srgbClr val="000000">
                       <a:alpha val="100000"/>
@@ -4121,7 +4145,7 @@
                 </a:rPr>
                 <a:t>Metabolic Strategy Breakdown of Organisms</a:t>
               </a:r>
-              <a:endParaRPr lang="en-US" sz="1320" dirty="0">
+              <a:endParaRPr lang="en-US" sz="1200" dirty="0">
                 <a:solidFill>
                   <a:srgbClr val="000000">
                     <a:alpha val="100000"/>
@@ -4144,7 +4168,7 @@
                 </a:spcAft>
               </a:pPr>
               <a:r>
-                <a:rPr sz="1320" dirty="0">
+                <a:rPr sz="1200" dirty="0">
                   <a:solidFill>
                     <a:srgbClr val="000000">
                       <a:alpha val="100000"/>
@@ -4175,7 +4199,7 @@
         </p:nvCxnSpPr>
         <p:spPr>
           <a:xfrm>
-            <a:off x="1080945" y="2188606"/>
+            <a:off x="1148091" y="2188606"/>
             <a:ext cx="1834871" cy="160274"/>
           </a:xfrm>
           <a:prstGeom prst="straightConnector1">
